--- a/06 Exercise 2 - Understand/Exercise 2.pptx
+++ b/06 Exercise 2 - Understand/Exercise 2.pptx
@@ -5,14 +5,18 @@
     <p:sldMasterId id="2147483648" r:id="rId1"/>
   </p:sldMasterIdLst>
   <p:notesMasterIdLst>
-    <p:notesMasterId r:id="rId7"/>
+    <p:notesMasterId r:id="rId11"/>
   </p:notesMasterIdLst>
   <p:sldIdLst>
     <p:sldId id="336" r:id="rId2"/>
     <p:sldId id="303" r:id="rId3"/>
     <p:sldId id="331" r:id="rId4"/>
     <p:sldId id="368" r:id="rId5"/>
-    <p:sldId id="359" r:id="rId6"/>
+    <p:sldId id="369" r:id="rId6"/>
+    <p:sldId id="370" r:id="rId7"/>
+    <p:sldId id="371" r:id="rId8"/>
+    <p:sldId id="372" r:id="rId9"/>
+    <p:sldId id="359" r:id="rId10"/>
   </p:sldIdLst>
   <p:sldSz cx="9144000" cy="6858000" type="screen4x3"/>
   <p:notesSz cx="6797675" cy="9926638"/>
@@ -226,7 +230,7 @@
           <a:p>
             <a:fld id="{14BAE693-6910-45CC-A0F0-E7002C65F0F7}" type="datetimeFigureOut">
               <a:rPr lang="en-GB" smtClean="0"/>
-              <a:t>08/03/2019</a:t>
+              <a:t>11/03/2019</a:t>
             </a:fld>
             <a:endParaRPr lang="en-GB"/>
           </a:p>
@@ -904,6 +908,342 @@
     </p:spTree>
     <p:extLst>
       <p:ext uri="{BB962C8B-B14F-4D97-AF65-F5344CB8AC3E}">
+        <p14:creationId xmlns:p14="http://schemas.microsoft.com/office/powerpoint/2010/main" val="3221436715"/>
+      </p:ext>
+    </p:extLst>
+  </p:cSld>
+  <p:clrMapOvr>
+    <a:masterClrMapping/>
+  </p:clrMapOvr>
+</p:notes>
+</file>
+
+<file path=ppt/notesSlides/notesSlide6.xml><?xml version="1.0" encoding="utf-8"?>
+<p:notes xmlns:a="http://schemas.openxmlformats.org/drawingml/2006/main" xmlns:r="http://schemas.openxmlformats.org/officeDocument/2006/relationships" xmlns:p="http://schemas.openxmlformats.org/presentationml/2006/main">
+  <p:cSld>
+    <p:spTree>
+      <p:nvGrpSpPr>
+        <p:cNvPr id="1" name=""/>
+        <p:cNvGrpSpPr/>
+        <p:nvPr/>
+      </p:nvGrpSpPr>
+      <p:grpSpPr>
+        <a:xfrm>
+          <a:off x="0" y="0"/>
+          <a:ext cx="0" cy="0"/>
+          <a:chOff x="0" y="0"/>
+          <a:chExt cx="0" cy="0"/>
+        </a:xfrm>
+      </p:grpSpPr>
+      <p:sp>
+        <p:nvSpPr>
+          <p:cNvPr id="2" name="Slide Image Placeholder 1"/>
+          <p:cNvSpPr>
+            <a:spLocks noGrp="1" noRot="1" noChangeAspect="1"/>
+          </p:cNvSpPr>
+          <p:nvPr>
+            <p:ph type="sldImg"/>
+          </p:nvPr>
+        </p:nvSpPr>
+        <p:spPr/>
+      </p:sp>
+      <p:sp>
+        <p:nvSpPr>
+          <p:cNvPr id="3" name="Notes Placeholder 2"/>
+          <p:cNvSpPr>
+            <a:spLocks noGrp="1"/>
+          </p:cNvSpPr>
+          <p:nvPr>
+            <p:ph type="body" idx="1"/>
+          </p:nvPr>
+        </p:nvSpPr>
+        <p:spPr/>
+        <p:txBody>
+          <a:bodyPr/>
+          <a:lstStyle/>
+          <a:p>
+            <a:endParaRPr lang="en-GB" sz="1600" dirty="0"/>
+          </a:p>
+        </p:txBody>
+      </p:sp>
+      <p:sp>
+        <p:nvSpPr>
+          <p:cNvPr id="4" name="Slide Number Placeholder 3"/>
+          <p:cNvSpPr>
+            <a:spLocks noGrp="1"/>
+          </p:cNvSpPr>
+          <p:nvPr>
+            <p:ph type="sldNum" sz="quarter" idx="10"/>
+          </p:nvPr>
+        </p:nvSpPr>
+        <p:spPr/>
+        <p:txBody>
+          <a:bodyPr/>
+          <a:lstStyle/>
+          <a:p>
+            <a:fld id="{B90365D9-FB80-4415-B36E-3820098870D3}" type="slidenum">
+              <a:rPr lang="en-GB" smtClean="0"/>
+              <a:t>6</a:t>
+            </a:fld>
+            <a:endParaRPr lang="en-GB"/>
+          </a:p>
+        </p:txBody>
+      </p:sp>
+    </p:spTree>
+    <p:extLst>
+      <p:ext uri="{BB962C8B-B14F-4D97-AF65-F5344CB8AC3E}">
+        <p14:creationId xmlns:p14="http://schemas.microsoft.com/office/powerpoint/2010/main" val="89825002"/>
+      </p:ext>
+    </p:extLst>
+  </p:cSld>
+  <p:clrMapOvr>
+    <a:masterClrMapping/>
+  </p:clrMapOvr>
+</p:notes>
+</file>
+
+<file path=ppt/notesSlides/notesSlide7.xml><?xml version="1.0" encoding="utf-8"?>
+<p:notes xmlns:a="http://schemas.openxmlformats.org/drawingml/2006/main" xmlns:r="http://schemas.openxmlformats.org/officeDocument/2006/relationships" xmlns:p="http://schemas.openxmlformats.org/presentationml/2006/main">
+  <p:cSld>
+    <p:spTree>
+      <p:nvGrpSpPr>
+        <p:cNvPr id="1" name=""/>
+        <p:cNvGrpSpPr/>
+        <p:nvPr/>
+      </p:nvGrpSpPr>
+      <p:grpSpPr>
+        <a:xfrm>
+          <a:off x="0" y="0"/>
+          <a:ext cx="0" cy="0"/>
+          <a:chOff x="0" y="0"/>
+          <a:chExt cx="0" cy="0"/>
+        </a:xfrm>
+      </p:grpSpPr>
+      <p:sp>
+        <p:nvSpPr>
+          <p:cNvPr id="2" name="Slide Image Placeholder 1"/>
+          <p:cNvSpPr>
+            <a:spLocks noGrp="1" noRot="1" noChangeAspect="1"/>
+          </p:cNvSpPr>
+          <p:nvPr>
+            <p:ph type="sldImg"/>
+          </p:nvPr>
+        </p:nvSpPr>
+        <p:spPr/>
+      </p:sp>
+      <p:sp>
+        <p:nvSpPr>
+          <p:cNvPr id="3" name="Notes Placeholder 2"/>
+          <p:cNvSpPr>
+            <a:spLocks noGrp="1"/>
+          </p:cNvSpPr>
+          <p:nvPr>
+            <p:ph type="body" idx="1"/>
+          </p:nvPr>
+        </p:nvSpPr>
+        <p:spPr/>
+        <p:txBody>
+          <a:bodyPr/>
+          <a:lstStyle/>
+          <a:p>
+            <a:endParaRPr lang="en-GB" sz="1600" dirty="0"/>
+          </a:p>
+        </p:txBody>
+      </p:sp>
+      <p:sp>
+        <p:nvSpPr>
+          <p:cNvPr id="4" name="Slide Number Placeholder 3"/>
+          <p:cNvSpPr>
+            <a:spLocks noGrp="1"/>
+          </p:cNvSpPr>
+          <p:nvPr>
+            <p:ph type="sldNum" sz="quarter" idx="10"/>
+          </p:nvPr>
+        </p:nvSpPr>
+        <p:spPr/>
+        <p:txBody>
+          <a:bodyPr/>
+          <a:lstStyle/>
+          <a:p>
+            <a:fld id="{B90365D9-FB80-4415-B36E-3820098870D3}" type="slidenum">
+              <a:rPr lang="en-GB" smtClean="0"/>
+              <a:t>7</a:t>
+            </a:fld>
+            <a:endParaRPr lang="en-GB"/>
+          </a:p>
+        </p:txBody>
+      </p:sp>
+    </p:spTree>
+    <p:extLst>
+      <p:ext uri="{BB962C8B-B14F-4D97-AF65-F5344CB8AC3E}">
+        <p14:creationId xmlns:p14="http://schemas.microsoft.com/office/powerpoint/2010/main" val="2230937520"/>
+      </p:ext>
+    </p:extLst>
+  </p:cSld>
+  <p:clrMapOvr>
+    <a:masterClrMapping/>
+  </p:clrMapOvr>
+</p:notes>
+</file>
+
+<file path=ppt/notesSlides/notesSlide8.xml><?xml version="1.0" encoding="utf-8"?>
+<p:notes xmlns:a="http://schemas.openxmlformats.org/drawingml/2006/main" xmlns:r="http://schemas.openxmlformats.org/officeDocument/2006/relationships" xmlns:p="http://schemas.openxmlformats.org/presentationml/2006/main">
+  <p:cSld>
+    <p:spTree>
+      <p:nvGrpSpPr>
+        <p:cNvPr id="1" name=""/>
+        <p:cNvGrpSpPr/>
+        <p:nvPr/>
+      </p:nvGrpSpPr>
+      <p:grpSpPr>
+        <a:xfrm>
+          <a:off x="0" y="0"/>
+          <a:ext cx="0" cy="0"/>
+          <a:chOff x="0" y="0"/>
+          <a:chExt cx="0" cy="0"/>
+        </a:xfrm>
+      </p:grpSpPr>
+      <p:sp>
+        <p:nvSpPr>
+          <p:cNvPr id="2" name="Slide Image Placeholder 1"/>
+          <p:cNvSpPr>
+            <a:spLocks noGrp="1" noRot="1" noChangeAspect="1"/>
+          </p:cNvSpPr>
+          <p:nvPr>
+            <p:ph type="sldImg"/>
+          </p:nvPr>
+        </p:nvSpPr>
+        <p:spPr/>
+      </p:sp>
+      <p:sp>
+        <p:nvSpPr>
+          <p:cNvPr id="3" name="Notes Placeholder 2"/>
+          <p:cNvSpPr>
+            <a:spLocks noGrp="1"/>
+          </p:cNvSpPr>
+          <p:nvPr>
+            <p:ph type="body" idx="1"/>
+          </p:nvPr>
+        </p:nvSpPr>
+        <p:spPr/>
+        <p:txBody>
+          <a:bodyPr/>
+          <a:lstStyle/>
+          <a:p>
+            <a:endParaRPr lang="en-GB" sz="1600" dirty="0"/>
+          </a:p>
+        </p:txBody>
+      </p:sp>
+      <p:sp>
+        <p:nvSpPr>
+          <p:cNvPr id="4" name="Slide Number Placeholder 3"/>
+          <p:cNvSpPr>
+            <a:spLocks noGrp="1"/>
+          </p:cNvSpPr>
+          <p:nvPr>
+            <p:ph type="sldNum" sz="quarter" idx="10"/>
+          </p:nvPr>
+        </p:nvSpPr>
+        <p:spPr/>
+        <p:txBody>
+          <a:bodyPr/>
+          <a:lstStyle/>
+          <a:p>
+            <a:fld id="{B90365D9-FB80-4415-B36E-3820098870D3}" type="slidenum">
+              <a:rPr lang="en-GB" smtClean="0"/>
+              <a:t>8</a:t>
+            </a:fld>
+            <a:endParaRPr lang="en-GB"/>
+          </a:p>
+        </p:txBody>
+      </p:sp>
+    </p:spTree>
+    <p:extLst>
+      <p:ext uri="{BB962C8B-B14F-4D97-AF65-F5344CB8AC3E}">
+        <p14:creationId xmlns:p14="http://schemas.microsoft.com/office/powerpoint/2010/main" val="610777581"/>
+      </p:ext>
+    </p:extLst>
+  </p:cSld>
+  <p:clrMapOvr>
+    <a:masterClrMapping/>
+  </p:clrMapOvr>
+</p:notes>
+</file>
+
+<file path=ppt/notesSlides/notesSlide9.xml><?xml version="1.0" encoding="utf-8"?>
+<p:notes xmlns:a="http://schemas.openxmlformats.org/drawingml/2006/main" xmlns:r="http://schemas.openxmlformats.org/officeDocument/2006/relationships" xmlns:p="http://schemas.openxmlformats.org/presentationml/2006/main">
+  <p:cSld>
+    <p:spTree>
+      <p:nvGrpSpPr>
+        <p:cNvPr id="1" name=""/>
+        <p:cNvGrpSpPr/>
+        <p:nvPr/>
+      </p:nvGrpSpPr>
+      <p:grpSpPr>
+        <a:xfrm>
+          <a:off x="0" y="0"/>
+          <a:ext cx="0" cy="0"/>
+          <a:chOff x="0" y="0"/>
+          <a:chExt cx="0" cy="0"/>
+        </a:xfrm>
+      </p:grpSpPr>
+      <p:sp>
+        <p:nvSpPr>
+          <p:cNvPr id="2" name="Slide Image Placeholder 1"/>
+          <p:cNvSpPr>
+            <a:spLocks noGrp="1" noRot="1" noChangeAspect="1"/>
+          </p:cNvSpPr>
+          <p:nvPr>
+            <p:ph type="sldImg"/>
+          </p:nvPr>
+        </p:nvSpPr>
+        <p:spPr/>
+      </p:sp>
+      <p:sp>
+        <p:nvSpPr>
+          <p:cNvPr id="3" name="Notes Placeholder 2"/>
+          <p:cNvSpPr>
+            <a:spLocks noGrp="1"/>
+          </p:cNvSpPr>
+          <p:nvPr>
+            <p:ph type="body" idx="1"/>
+          </p:nvPr>
+        </p:nvSpPr>
+        <p:spPr/>
+        <p:txBody>
+          <a:bodyPr/>
+          <a:lstStyle/>
+          <a:p>
+            <a:endParaRPr lang="en-GB" sz="1600" dirty="0"/>
+          </a:p>
+        </p:txBody>
+      </p:sp>
+      <p:sp>
+        <p:nvSpPr>
+          <p:cNvPr id="4" name="Slide Number Placeholder 3"/>
+          <p:cNvSpPr>
+            <a:spLocks noGrp="1"/>
+          </p:cNvSpPr>
+          <p:nvPr>
+            <p:ph type="sldNum" sz="quarter" idx="10"/>
+          </p:nvPr>
+        </p:nvSpPr>
+        <p:spPr/>
+        <p:txBody>
+          <a:bodyPr/>
+          <a:lstStyle/>
+          <a:p>
+            <a:fld id="{B90365D9-FB80-4415-B36E-3820098870D3}" type="slidenum">
+              <a:rPr lang="en-GB" smtClean="0"/>
+              <a:t>9</a:t>
+            </a:fld>
+            <a:endParaRPr lang="en-GB"/>
+          </a:p>
+        </p:txBody>
+      </p:sp>
+    </p:spTree>
+    <p:extLst>
+      <p:ext uri="{BB962C8B-B14F-4D97-AF65-F5344CB8AC3E}">
         <p14:creationId xmlns:p14="http://schemas.microsoft.com/office/powerpoint/2010/main" val="1567166951"/>
       </p:ext>
     </p:extLst>
@@ -1094,7 +1434,7 @@
             <a:fld id="{1D8BD707-D9CF-40AE-B4C6-C98DA3205C09}" type="datetimeFigureOut">
               <a:rPr lang="en-US" smtClean="0"/>
               <a:pPr/>
-              <a:t>3/8/19</a:t>
+              <a:t>3/11/19</a:t>
             </a:fld>
             <a:endParaRPr lang="en-US"/>
           </a:p>
@@ -1259,7 +1599,7 @@
             <a:fld id="{1D8BD707-D9CF-40AE-B4C6-C98DA3205C09}" type="datetimeFigureOut">
               <a:rPr lang="en-US" smtClean="0"/>
               <a:pPr/>
-              <a:t>3/8/19</a:t>
+              <a:t>3/11/19</a:t>
             </a:fld>
             <a:endParaRPr lang="en-US"/>
           </a:p>
@@ -1434,7 +1774,7 @@
             <a:fld id="{1D8BD707-D9CF-40AE-B4C6-C98DA3205C09}" type="datetimeFigureOut">
               <a:rPr lang="en-US" smtClean="0"/>
               <a:pPr/>
-              <a:t>3/8/19</a:t>
+              <a:t>3/11/19</a:t>
             </a:fld>
             <a:endParaRPr lang="en-US"/>
           </a:p>
@@ -1599,7 +1939,7 @@
             <a:fld id="{1D8BD707-D9CF-40AE-B4C6-C98DA3205C09}" type="datetimeFigureOut">
               <a:rPr lang="en-US" smtClean="0"/>
               <a:pPr/>
-              <a:t>3/8/19</a:t>
+              <a:t>3/11/19</a:t>
             </a:fld>
             <a:endParaRPr lang="en-US"/>
           </a:p>
@@ -1841,7 +2181,7 @@
             <a:fld id="{1D8BD707-D9CF-40AE-B4C6-C98DA3205C09}" type="datetimeFigureOut">
               <a:rPr lang="en-US" smtClean="0"/>
               <a:pPr/>
-              <a:t>3/8/19</a:t>
+              <a:t>3/11/19</a:t>
             </a:fld>
             <a:endParaRPr lang="en-US"/>
           </a:p>
@@ -2123,7 +2463,7 @@
             <a:fld id="{1D8BD707-D9CF-40AE-B4C6-C98DA3205C09}" type="datetimeFigureOut">
               <a:rPr lang="en-US" smtClean="0"/>
               <a:pPr/>
-              <a:t>3/8/19</a:t>
+              <a:t>3/11/19</a:t>
             </a:fld>
             <a:endParaRPr lang="en-US"/>
           </a:p>
@@ -2539,7 +2879,7 @@
             <a:fld id="{1D8BD707-D9CF-40AE-B4C6-C98DA3205C09}" type="datetimeFigureOut">
               <a:rPr lang="en-US" smtClean="0"/>
               <a:pPr/>
-              <a:t>3/8/19</a:t>
+              <a:t>3/11/19</a:t>
             </a:fld>
             <a:endParaRPr lang="en-US"/>
           </a:p>
@@ -2653,7 +2993,7 @@
             <a:fld id="{1D8BD707-D9CF-40AE-B4C6-C98DA3205C09}" type="datetimeFigureOut">
               <a:rPr lang="en-US" smtClean="0"/>
               <a:pPr/>
-              <a:t>3/8/19</a:t>
+              <a:t>3/11/19</a:t>
             </a:fld>
             <a:endParaRPr lang="en-US"/>
           </a:p>
@@ -2745,7 +3085,7 @@
             <a:fld id="{1D8BD707-D9CF-40AE-B4C6-C98DA3205C09}" type="datetimeFigureOut">
               <a:rPr lang="en-US" smtClean="0"/>
               <a:pPr/>
-              <a:t>3/8/19</a:t>
+              <a:t>3/11/19</a:t>
             </a:fld>
             <a:endParaRPr lang="en-US"/>
           </a:p>
@@ -3017,7 +3357,7 @@
             <a:fld id="{1D8BD707-D9CF-40AE-B4C6-C98DA3205C09}" type="datetimeFigureOut">
               <a:rPr lang="en-US" smtClean="0"/>
               <a:pPr/>
-              <a:t>3/8/19</a:t>
+              <a:t>3/11/19</a:t>
             </a:fld>
             <a:endParaRPr lang="en-US"/>
           </a:p>
@@ -3266,7 +3606,7 @@
             <a:fld id="{1D8BD707-D9CF-40AE-B4C6-C98DA3205C09}" type="datetimeFigureOut">
               <a:rPr lang="en-US" smtClean="0"/>
               <a:pPr/>
-              <a:t>3/8/19</a:t>
+              <a:t>3/11/19</a:t>
             </a:fld>
             <a:endParaRPr lang="en-US"/>
           </a:p>
@@ -3480,7 +3820,7 @@
             <a:fld id="{1D8BD707-D9CF-40AE-B4C6-C98DA3205C09}" type="datetimeFigureOut">
               <a:rPr lang="en-US" smtClean="0"/>
               <a:pPr/>
-              <a:t>3/8/19</a:t>
+              <a:t>3/11/19</a:t>
             </a:fld>
             <a:endParaRPr lang="en-US"/>
           </a:p>
@@ -4207,13 +4547,13 @@
               <a:defRPr/>
             </a:pPr>
             <a:r>
-              <a:rPr lang="en-US">
+              <a:rPr lang="en-US" dirty="0">
                 <a:solidFill>
                   <a:schemeClr val="bg1"/>
                 </a:solidFill>
                 <a:latin typeface="Courier" pitchFamily="2" charset="0"/>
               </a:rPr>
-              <a:t>Model </a:t>
+              <a:t>Model to bring to bear on pipeline design and maintenance. And also testing. </a:t>
             </a:r>
             <a:r>
               <a:rPr lang="en-US" dirty="0">
@@ -4221,17 +4561,9 @@
                   <a:schemeClr val="bg1"/>
                 </a:solidFill>
                 <a:latin typeface="Courier" pitchFamily="2" charset="0"/>
+                <a:sym typeface="Wingdings" pitchFamily="2" charset="2"/>
               </a:rPr>
-              <a:t>to bring to bear on pipeline design</a:t>
-            </a:r>
-            <a:r>
-              <a:rPr lang="en-US">
-                <a:solidFill>
-                  <a:schemeClr val="bg1"/>
-                </a:solidFill>
-                <a:latin typeface="Courier" pitchFamily="2" charset="0"/>
-              </a:rPr>
-              <a:t>, to </a:t>
+              <a:t></a:t>
             </a:r>
             <a:endParaRPr lang="en-GB" b="1" dirty="0">
               <a:solidFill>
@@ -5209,7 +5541,7 @@
                 </a:solidFill>
                 <a:latin typeface="Courier" pitchFamily="2" charset="0"/>
               </a:rPr>
-              <a:t>For the people</a:t>
+              <a:t>For decision making</a:t>
             </a:r>
           </a:p>
           <a:p>
@@ -5614,8 +5946,8 @@
         </p:nvSpPr>
         <p:spPr>
           <a:xfrm>
-            <a:off x="533400" y="228600"/>
-            <a:ext cx="8382000" cy="990600"/>
+            <a:off x="2800350" y="381000"/>
+            <a:ext cx="3543300" cy="914400"/>
           </a:xfrm>
         </p:spPr>
         <p:txBody>
@@ -5624,7 +5956,1571 @@
           </a:bodyPr>
           <a:lstStyle/>
           <a:p>
+            <a:pPr marL="0" marR="0" lvl="0" indent="0" defTabSz="914400" eaLnBrk="1" fontAlgn="auto" latinLnBrk="0" hangingPunct="1">
+              <a:lnSpc>
+                <a:spcPct val="100000"/>
+              </a:lnSpc>
+              <a:spcBef>
+                <a:spcPts val="0"/>
+              </a:spcBef>
+              <a:spcAft>
+                <a:spcPts val="0"/>
+              </a:spcAft>
+              <a:buClrTx/>
+              <a:buSzTx/>
+              <a:buFontTx/>
+              <a:buNone/>
+              <a:tabLst/>
+              <a:defRPr/>
+            </a:pPr>
+            <a:r>
+              <a:rPr lang="en-US" sz="5400" b="1" dirty="0">
+                <a:solidFill>
+                  <a:schemeClr val="bg1"/>
+                </a:solidFill>
+                <a:latin typeface="Courier New" pitchFamily="49" charset="0"/>
+                <a:cs typeface="Courier New" pitchFamily="49" charset="0"/>
+              </a:rPr>
+              <a:t>Handouts</a:t>
+            </a:r>
+            <a:endParaRPr lang="en-GB" sz="5400" b="1" dirty="0">
+              <a:solidFill>
+                <a:schemeClr val="bg1"/>
+              </a:solidFill>
+              <a:latin typeface="Courier New" pitchFamily="49" charset="0"/>
+              <a:cs typeface="Courier New" pitchFamily="49" charset="0"/>
+            </a:endParaRPr>
+          </a:p>
+        </p:txBody>
+      </p:sp>
+    </p:spTree>
+    <p:extLst>
+      <p:ext uri="{BB962C8B-B14F-4D97-AF65-F5344CB8AC3E}">
+        <p14:creationId xmlns:p14="http://schemas.microsoft.com/office/powerpoint/2010/main" val="3844047316"/>
+      </p:ext>
+    </p:extLst>
+  </p:cSld>
+  <p:clrMapOvr>
+    <a:masterClrMapping/>
+  </p:clrMapOvr>
+  <mc:AlternateContent xmlns:mc="http://schemas.openxmlformats.org/markup-compatibility/2006" xmlns:p14="http://schemas.microsoft.com/office/powerpoint/2010/main">
+    <mc:Choice Requires="p14">
+      <p:transition p14:dur="100">
+        <p:cut/>
+      </p:transition>
+    </mc:Choice>
+    <mc:Fallback xmlns="">
+      <p:transition xmlns:p14="http://schemas.microsoft.com/office/powerpoint/2010/main">
+        <p:cut/>
+      </p:transition>
+    </mc:Fallback>
+  </mc:AlternateContent>
+</p:sld>
+</file>
+
+<file path=ppt/slides/slide6.xml><?xml version="1.0" encoding="utf-8"?>
+<p:sld xmlns:a="http://schemas.openxmlformats.org/drawingml/2006/main" xmlns:r="http://schemas.openxmlformats.org/officeDocument/2006/relationships" xmlns:p="http://schemas.openxmlformats.org/presentationml/2006/main">
+  <p:cSld>
+    <p:spTree>
+      <p:nvGrpSpPr>
+        <p:cNvPr id="1" name=""/>
+        <p:cNvGrpSpPr/>
+        <p:nvPr/>
+      </p:nvGrpSpPr>
+      <p:grpSpPr>
+        <a:xfrm>
+          <a:off x="0" y="0"/>
+          <a:ext cx="0" cy="0"/>
+          <a:chOff x="0" y="0"/>
+          <a:chExt cx="0" cy="0"/>
+        </a:xfrm>
+      </p:grpSpPr>
+      <p:sp>
+        <p:nvSpPr>
+          <p:cNvPr id="3" name="Content Placeholder 2"/>
+          <p:cNvSpPr>
+            <a:spLocks noGrp="1"/>
+          </p:cNvSpPr>
+          <p:nvPr>
+            <p:ph idx="1"/>
+          </p:nvPr>
+        </p:nvSpPr>
+        <p:spPr>
+          <a:xfrm>
+            <a:off x="2781300" y="444795"/>
+            <a:ext cx="3581400" cy="914400"/>
+          </a:xfrm>
+        </p:spPr>
+        <p:txBody>
+          <a:bodyPr>
+            <a:noAutofit/>
+          </a:bodyPr>
+          <a:lstStyle/>
+          <a:p>
+            <a:pPr marL="0" marR="0" lvl="0" indent="0" defTabSz="914400" eaLnBrk="1" fontAlgn="auto" latinLnBrk="0" hangingPunct="1">
+              <a:lnSpc>
+                <a:spcPct val="100000"/>
+              </a:lnSpc>
+              <a:spcBef>
+                <a:spcPts val="0"/>
+              </a:spcBef>
+              <a:spcAft>
+                <a:spcPts val="0"/>
+              </a:spcAft>
+              <a:buClrTx/>
+              <a:buSzTx/>
+              <a:buFontTx/>
+              <a:buNone/>
+              <a:tabLst/>
+              <a:defRPr/>
+            </a:pPr>
+            <a:r>
+              <a:rPr lang="en-US" sz="5400" b="1" dirty="0" err="1">
+                <a:solidFill>
+                  <a:schemeClr val="bg1"/>
+                </a:solidFill>
+                <a:latin typeface="Courier New" pitchFamily="49" charset="0"/>
+                <a:cs typeface="Courier New" pitchFamily="49" charset="0"/>
+              </a:rPr>
+              <a:t>Organise</a:t>
+            </a:r>
+            <a:endParaRPr lang="en-GB" sz="5400" b="1" dirty="0">
+              <a:solidFill>
+                <a:schemeClr val="bg1"/>
+              </a:solidFill>
+              <a:latin typeface="Courier New" pitchFamily="49" charset="0"/>
+              <a:cs typeface="Courier New" pitchFamily="49" charset="0"/>
+            </a:endParaRPr>
+          </a:p>
+        </p:txBody>
+      </p:sp>
+      <p:sp>
+        <p:nvSpPr>
+          <p:cNvPr id="6" name="Content Placeholder 2"/>
+          <p:cNvSpPr txBox="1">
+            <a:spLocks/>
+          </p:cNvSpPr>
+          <p:nvPr/>
+        </p:nvSpPr>
+        <p:spPr>
+          <a:xfrm>
+            <a:off x="5105400" y="1359195"/>
+            <a:ext cx="3733800" cy="5041605"/>
+          </a:xfrm>
+          <a:prstGeom prst="rect">
+            <a:avLst/>
+          </a:prstGeom>
+        </p:spPr>
+        <p:txBody>
+          <a:bodyPr vert="horz" lIns="91440" tIns="45720" rIns="91440" bIns="45720" rtlCol="0">
+            <a:noAutofit/>
+          </a:bodyPr>
+          <a:lstStyle>
+            <a:lvl1pPr marL="342900" indent="-342900" algn="l" defTabSz="914400" rtl="0" eaLnBrk="1" latinLnBrk="0" hangingPunct="1">
+              <a:spcBef>
+                <a:spcPct val="20000"/>
+              </a:spcBef>
+              <a:buFont typeface="Arial" pitchFamily="34" charset="0"/>
+              <a:buChar char="•"/>
+              <a:defRPr sz="3200" kern="1200">
+                <a:solidFill>
+                  <a:schemeClr val="tx1"/>
+                </a:solidFill>
+                <a:latin typeface="+mn-lt"/>
+                <a:ea typeface="+mn-ea"/>
+                <a:cs typeface="+mn-cs"/>
+              </a:defRPr>
+            </a:lvl1pPr>
+            <a:lvl2pPr marL="742950" indent="-285750" algn="l" defTabSz="914400" rtl="0" eaLnBrk="1" latinLnBrk="0" hangingPunct="1">
+              <a:spcBef>
+                <a:spcPct val="20000"/>
+              </a:spcBef>
+              <a:buFont typeface="Arial" pitchFamily="34" charset="0"/>
+              <a:buChar char="–"/>
+              <a:defRPr sz="2800" kern="1200">
+                <a:solidFill>
+                  <a:schemeClr val="tx1"/>
+                </a:solidFill>
+                <a:latin typeface="+mn-lt"/>
+                <a:ea typeface="+mn-ea"/>
+                <a:cs typeface="+mn-cs"/>
+              </a:defRPr>
+            </a:lvl2pPr>
+            <a:lvl3pPr marL="1143000" indent="-228600" algn="l" defTabSz="914400" rtl="0" eaLnBrk="1" latinLnBrk="0" hangingPunct="1">
+              <a:spcBef>
+                <a:spcPct val="20000"/>
+              </a:spcBef>
+              <a:buFont typeface="Arial" pitchFamily="34" charset="0"/>
+              <a:buChar char="•"/>
+              <a:defRPr sz="2400" kern="1200">
+                <a:solidFill>
+                  <a:schemeClr val="tx1"/>
+                </a:solidFill>
+                <a:latin typeface="+mn-lt"/>
+                <a:ea typeface="+mn-ea"/>
+                <a:cs typeface="+mn-cs"/>
+              </a:defRPr>
+            </a:lvl3pPr>
+            <a:lvl4pPr marL="1600200" indent="-228600" algn="l" defTabSz="914400" rtl="0" eaLnBrk="1" latinLnBrk="0" hangingPunct="1">
+              <a:spcBef>
+                <a:spcPct val="20000"/>
+              </a:spcBef>
+              <a:buFont typeface="Arial" pitchFamily="34" charset="0"/>
+              <a:buChar char="–"/>
+              <a:defRPr sz="2000" kern="1200">
+                <a:solidFill>
+                  <a:schemeClr val="tx1"/>
+                </a:solidFill>
+                <a:latin typeface="+mn-lt"/>
+                <a:ea typeface="+mn-ea"/>
+                <a:cs typeface="+mn-cs"/>
+              </a:defRPr>
+            </a:lvl4pPr>
+            <a:lvl5pPr marL="2057400" indent="-228600" algn="l" defTabSz="914400" rtl="0" eaLnBrk="1" latinLnBrk="0" hangingPunct="1">
+              <a:spcBef>
+                <a:spcPct val="20000"/>
+              </a:spcBef>
+              <a:buFont typeface="Arial" pitchFamily="34" charset="0"/>
+              <a:buChar char="»"/>
+              <a:defRPr sz="2000" kern="1200">
+                <a:solidFill>
+                  <a:schemeClr val="tx1"/>
+                </a:solidFill>
+                <a:latin typeface="+mn-lt"/>
+                <a:ea typeface="+mn-ea"/>
+                <a:cs typeface="+mn-cs"/>
+              </a:defRPr>
+            </a:lvl5pPr>
+            <a:lvl6pPr marL="2514600" indent="-228600" algn="l" defTabSz="914400" rtl="0" eaLnBrk="1" latinLnBrk="0" hangingPunct="1">
+              <a:spcBef>
+                <a:spcPct val="20000"/>
+              </a:spcBef>
+              <a:buFont typeface="Arial" pitchFamily="34" charset="0"/>
+              <a:buChar char="•"/>
+              <a:defRPr sz="2000" kern="1200">
+                <a:solidFill>
+                  <a:schemeClr val="tx1"/>
+                </a:solidFill>
+                <a:latin typeface="+mn-lt"/>
+                <a:ea typeface="+mn-ea"/>
+                <a:cs typeface="+mn-cs"/>
+              </a:defRPr>
+            </a:lvl6pPr>
+            <a:lvl7pPr marL="2971800" indent="-228600" algn="l" defTabSz="914400" rtl="0" eaLnBrk="1" latinLnBrk="0" hangingPunct="1">
+              <a:spcBef>
+                <a:spcPct val="20000"/>
+              </a:spcBef>
+              <a:buFont typeface="Arial" pitchFamily="34" charset="0"/>
+              <a:buChar char="•"/>
+              <a:defRPr sz="2000" kern="1200">
+                <a:solidFill>
+                  <a:schemeClr val="tx1"/>
+                </a:solidFill>
+                <a:latin typeface="+mn-lt"/>
+                <a:ea typeface="+mn-ea"/>
+                <a:cs typeface="+mn-cs"/>
+              </a:defRPr>
+            </a:lvl7pPr>
+            <a:lvl8pPr marL="3429000" indent="-228600" algn="l" defTabSz="914400" rtl="0" eaLnBrk="1" latinLnBrk="0" hangingPunct="1">
+              <a:spcBef>
+                <a:spcPct val="20000"/>
+              </a:spcBef>
+              <a:buFont typeface="Arial" pitchFamily="34" charset="0"/>
+              <a:buChar char="•"/>
+              <a:defRPr sz="2000" kern="1200">
+                <a:solidFill>
+                  <a:schemeClr val="tx1"/>
+                </a:solidFill>
+                <a:latin typeface="+mn-lt"/>
+                <a:ea typeface="+mn-ea"/>
+                <a:cs typeface="+mn-cs"/>
+              </a:defRPr>
+            </a:lvl8pPr>
+            <a:lvl9pPr marL="3886200" indent="-228600" algn="l" defTabSz="914400" rtl="0" eaLnBrk="1" latinLnBrk="0" hangingPunct="1">
+              <a:spcBef>
+                <a:spcPct val="20000"/>
+              </a:spcBef>
+              <a:buFont typeface="Arial" pitchFamily="34" charset="0"/>
+              <a:buChar char="•"/>
+              <a:defRPr sz="2000" kern="1200">
+                <a:solidFill>
+                  <a:schemeClr val="tx1"/>
+                </a:solidFill>
+                <a:latin typeface="+mn-lt"/>
+                <a:ea typeface="+mn-ea"/>
+                <a:cs typeface="+mn-cs"/>
+              </a:defRPr>
+            </a:lvl9pPr>
+          </a:lstStyle>
+          <a:p>
+            <a:r>
+              <a:rPr lang="en-GB" dirty="0">
+                <a:solidFill>
+                  <a:schemeClr val="bg1"/>
+                </a:solidFill>
+                <a:latin typeface="Courier" pitchFamily="2" charset="0"/>
+              </a:rPr>
+              <a:t>Groups of 4 or 5</a:t>
+            </a:r>
+          </a:p>
+          <a:p>
+            <a:r>
+              <a:rPr lang="en-GB" dirty="0">
+                <a:solidFill>
+                  <a:schemeClr val="bg1"/>
+                </a:solidFill>
+                <a:latin typeface="Courier" pitchFamily="2" charset="0"/>
+              </a:rPr>
+              <a:t>Pipeline owner</a:t>
+            </a:r>
+          </a:p>
+          <a:p>
+            <a:r>
+              <a:rPr lang="en-GB" dirty="0">
+                <a:solidFill>
+                  <a:schemeClr val="bg1"/>
+                </a:solidFill>
+                <a:latin typeface="Courier" pitchFamily="2" charset="0"/>
+              </a:rPr>
+              <a:t>Same org is fine</a:t>
+            </a:r>
+          </a:p>
+          <a:p>
+            <a:r>
+              <a:rPr lang="en-GB" dirty="0">
+                <a:solidFill>
+                  <a:schemeClr val="bg1"/>
+                </a:solidFill>
+                <a:latin typeface="Courier" pitchFamily="2" charset="0"/>
+              </a:rPr>
+              <a:t>Handouts to refer to</a:t>
+            </a:r>
+          </a:p>
+          <a:p>
+            <a:pPr marL="457200" lvl="1" indent="0">
+              <a:buNone/>
+            </a:pPr>
+            <a:endParaRPr lang="en-GB" dirty="0">
+              <a:solidFill>
+                <a:schemeClr val="bg1"/>
+              </a:solidFill>
+              <a:latin typeface="Courier" pitchFamily="2" charset="0"/>
+            </a:endParaRPr>
+          </a:p>
+          <a:p>
             <a:pPr marL="0" indent="0">
+              <a:buNone/>
+            </a:pPr>
+            <a:endParaRPr lang="en-GB" dirty="0">
+              <a:solidFill>
+                <a:schemeClr val="bg1"/>
+              </a:solidFill>
+              <a:latin typeface="Courier" pitchFamily="2" charset="0"/>
+            </a:endParaRPr>
+          </a:p>
+        </p:txBody>
+      </p:sp>
+    </p:spTree>
+    <p:extLst>
+      <p:ext uri="{BB962C8B-B14F-4D97-AF65-F5344CB8AC3E}">
+        <p14:creationId xmlns:p14="http://schemas.microsoft.com/office/powerpoint/2010/main" val="20314252"/>
+      </p:ext>
+    </p:extLst>
+  </p:cSld>
+  <p:clrMapOvr>
+    <a:masterClrMapping/>
+  </p:clrMapOvr>
+  <mc:AlternateContent xmlns:mc="http://schemas.openxmlformats.org/markup-compatibility/2006" xmlns:p14="http://schemas.microsoft.com/office/powerpoint/2010/main">
+    <mc:Choice Requires="p14">
+      <p:transition p14:dur="100">
+        <p:cut/>
+      </p:transition>
+    </mc:Choice>
+    <mc:Fallback xmlns="">
+      <p:transition xmlns:p14="http://schemas.microsoft.com/office/powerpoint/2010/main">
+        <p:cut/>
+      </p:transition>
+    </mc:Fallback>
+  </mc:AlternateContent>
+  <p:timing>
+    <p:tnLst>
+      <p:par>
+        <p:cTn id="1" dur="indefinite" restart="never" nodeType="tmRoot">
+          <p:childTnLst>
+            <p:seq concurrent="1" nextAc="seek">
+              <p:cTn id="2" dur="indefinite" nodeType="mainSeq">
+                <p:childTnLst>
+                  <p:par>
+                    <p:cTn id="3" fill="hold">
+                      <p:stCondLst>
+                        <p:cond delay="indefinite"/>
+                      </p:stCondLst>
+                      <p:childTnLst>
+                        <p:par>
+                          <p:cTn id="4" fill="hold">
+                            <p:stCondLst>
+                              <p:cond delay="0"/>
+                            </p:stCondLst>
+                            <p:childTnLst>
+                              <p:par>
+                                <p:cTn id="5" presetID="1" presetClass="entr" presetSubtype="0" fill="hold" nodeType="clickEffect">
+                                  <p:stCondLst>
+                                    <p:cond delay="0"/>
+                                  </p:stCondLst>
+                                  <p:childTnLst>
+                                    <p:set>
+                                      <p:cBhvr>
+                                        <p:cTn id="6" dur="1" fill="hold">
+                                          <p:stCondLst>
+                                            <p:cond delay="0"/>
+                                          </p:stCondLst>
+                                        </p:cTn>
+                                        <p:tgtEl>
+                                          <p:spTgt spid="6">
+                                            <p:txEl>
+                                              <p:pRg st="0" end="0"/>
+                                            </p:txEl>
+                                          </p:spTgt>
+                                        </p:tgtEl>
+                                        <p:attrNameLst>
+                                          <p:attrName>style.visibility</p:attrName>
+                                        </p:attrNameLst>
+                                      </p:cBhvr>
+                                      <p:to>
+                                        <p:strVal val="visible"/>
+                                      </p:to>
+                                    </p:set>
+                                  </p:childTnLst>
+                                </p:cTn>
+                              </p:par>
+                            </p:childTnLst>
+                          </p:cTn>
+                        </p:par>
+                      </p:childTnLst>
+                    </p:cTn>
+                  </p:par>
+                  <p:par>
+                    <p:cTn id="7" fill="hold">
+                      <p:stCondLst>
+                        <p:cond delay="indefinite"/>
+                      </p:stCondLst>
+                      <p:childTnLst>
+                        <p:par>
+                          <p:cTn id="8" fill="hold">
+                            <p:stCondLst>
+                              <p:cond delay="0"/>
+                            </p:stCondLst>
+                            <p:childTnLst>
+                              <p:par>
+                                <p:cTn id="9" presetID="1" presetClass="entr" presetSubtype="0" fill="hold" nodeType="clickEffect">
+                                  <p:stCondLst>
+                                    <p:cond delay="0"/>
+                                  </p:stCondLst>
+                                  <p:childTnLst>
+                                    <p:set>
+                                      <p:cBhvr>
+                                        <p:cTn id="10" dur="1" fill="hold">
+                                          <p:stCondLst>
+                                            <p:cond delay="0"/>
+                                          </p:stCondLst>
+                                        </p:cTn>
+                                        <p:tgtEl>
+                                          <p:spTgt spid="6">
+                                            <p:txEl>
+                                              <p:pRg st="1" end="1"/>
+                                            </p:txEl>
+                                          </p:spTgt>
+                                        </p:tgtEl>
+                                        <p:attrNameLst>
+                                          <p:attrName>style.visibility</p:attrName>
+                                        </p:attrNameLst>
+                                      </p:cBhvr>
+                                      <p:to>
+                                        <p:strVal val="visible"/>
+                                      </p:to>
+                                    </p:set>
+                                  </p:childTnLst>
+                                </p:cTn>
+                              </p:par>
+                            </p:childTnLst>
+                          </p:cTn>
+                        </p:par>
+                      </p:childTnLst>
+                    </p:cTn>
+                  </p:par>
+                  <p:par>
+                    <p:cTn id="11" fill="hold">
+                      <p:stCondLst>
+                        <p:cond delay="indefinite"/>
+                      </p:stCondLst>
+                      <p:childTnLst>
+                        <p:par>
+                          <p:cTn id="12" fill="hold">
+                            <p:stCondLst>
+                              <p:cond delay="0"/>
+                            </p:stCondLst>
+                            <p:childTnLst>
+                              <p:par>
+                                <p:cTn id="13" presetID="1" presetClass="entr" presetSubtype="0" fill="hold" nodeType="clickEffect">
+                                  <p:stCondLst>
+                                    <p:cond delay="0"/>
+                                  </p:stCondLst>
+                                  <p:childTnLst>
+                                    <p:set>
+                                      <p:cBhvr>
+                                        <p:cTn id="14" dur="1" fill="hold">
+                                          <p:stCondLst>
+                                            <p:cond delay="0"/>
+                                          </p:stCondLst>
+                                        </p:cTn>
+                                        <p:tgtEl>
+                                          <p:spTgt spid="6">
+                                            <p:txEl>
+                                              <p:pRg st="2" end="2"/>
+                                            </p:txEl>
+                                          </p:spTgt>
+                                        </p:tgtEl>
+                                        <p:attrNameLst>
+                                          <p:attrName>style.visibility</p:attrName>
+                                        </p:attrNameLst>
+                                      </p:cBhvr>
+                                      <p:to>
+                                        <p:strVal val="visible"/>
+                                      </p:to>
+                                    </p:set>
+                                  </p:childTnLst>
+                                </p:cTn>
+                              </p:par>
+                            </p:childTnLst>
+                          </p:cTn>
+                        </p:par>
+                      </p:childTnLst>
+                    </p:cTn>
+                  </p:par>
+                  <p:par>
+                    <p:cTn id="15" fill="hold">
+                      <p:stCondLst>
+                        <p:cond delay="indefinite"/>
+                      </p:stCondLst>
+                      <p:childTnLst>
+                        <p:par>
+                          <p:cTn id="16" fill="hold">
+                            <p:stCondLst>
+                              <p:cond delay="0"/>
+                            </p:stCondLst>
+                            <p:childTnLst>
+                              <p:par>
+                                <p:cTn id="17" presetID="1" presetClass="entr" presetSubtype="0" fill="hold" nodeType="clickEffect">
+                                  <p:stCondLst>
+                                    <p:cond delay="0"/>
+                                  </p:stCondLst>
+                                  <p:childTnLst>
+                                    <p:set>
+                                      <p:cBhvr>
+                                        <p:cTn id="18" dur="1" fill="hold">
+                                          <p:stCondLst>
+                                            <p:cond delay="0"/>
+                                          </p:stCondLst>
+                                        </p:cTn>
+                                        <p:tgtEl>
+                                          <p:spTgt spid="6">
+                                            <p:txEl>
+                                              <p:pRg st="3" end="3"/>
+                                            </p:txEl>
+                                          </p:spTgt>
+                                        </p:tgtEl>
+                                        <p:attrNameLst>
+                                          <p:attrName>style.visibility</p:attrName>
+                                        </p:attrNameLst>
+                                      </p:cBhvr>
+                                      <p:to>
+                                        <p:strVal val="visible"/>
+                                      </p:to>
+                                    </p:set>
+                                  </p:childTnLst>
+                                </p:cTn>
+                              </p:par>
+                            </p:childTnLst>
+                          </p:cTn>
+                        </p:par>
+                      </p:childTnLst>
+                    </p:cTn>
+                  </p:par>
+                </p:childTnLst>
+              </p:cTn>
+              <p:prevCondLst>
+                <p:cond evt="onPrev" delay="0">
+                  <p:tgtEl>
+                    <p:sldTgt/>
+                  </p:tgtEl>
+                </p:cond>
+              </p:prevCondLst>
+              <p:nextCondLst>
+                <p:cond evt="onNext" delay="0">
+                  <p:tgtEl>
+                    <p:sldTgt/>
+                  </p:tgtEl>
+                </p:cond>
+              </p:nextCondLst>
+            </p:seq>
+          </p:childTnLst>
+        </p:cTn>
+      </p:par>
+    </p:tnLst>
+  </p:timing>
+</p:sld>
+</file>
+
+<file path=ppt/slides/slide7.xml><?xml version="1.0" encoding="utf-8"?>
+<p:sld xmlns:a="http://schemas.openxmlformats.org/drawingml/2006/main" xmlns:r="http://schemas.openxmlformats.org/officeDocument/2006/relationships" xmlns:p="http://schemas.openxmlformats.org/presentationml/2006/main">
+  <p:cSld>
+    <p:spTree>
+      <p:nvGrpSpPr>
+        <p:cNvPr id="1" name=""/>
+        <p:cNvGrpSpPr/>
+        <p:nvPr/>
+      </p:nvGrpSpPr>
+      <p:grpSpPr>
+        <a:xfrm>
+          <a:off x="0" y="0"/>
+          <a:ext cx="0" cy="0"/>
+          <a:chOff x="0" y="0"/>
+          <a:chExt cx="0" cy="0"/>
+        </a:xfrm>
+      </p:grpSpPr>
+      <p:sp>
+        <p:nvSpPr>
+          <p:cNvPr id="3" name="Content Placeholder 2"/>
+          <p:cNvSpPr>
+            <a:spLocks noGrp="1"/>
+          </p:cNvSpPr>
+          <p:nvPr>
+            <p:ph idx="1"/>
+          </p:nvPr>
+        </p:nvSpPr>
+        <p:spPr>
+          <a:xfrm>
+            <a:off x="2114550" y="444795"/>
+            <a:ext cx="4914900" cy="914400"/>
+          </a:xfrm>
+        </p:spPr>
+        <p:txBody>
+          <a:bodyPr>
+            <a:noAutofit/>
+          </a:bodyPr>
+          <a:lstStyle/>
+          <a:p>
+            <a:pPr marL="0" marR="0" lvl="0" indent="0" defTabSz="914400" eaLnBrk="1" fontAlgn="auto" latinLnBrk="0" hangingPunct="1">
+              <a:lnSpc>
+                <a:spcPct val="100000"/>
+              </a:lnSpc>
+              <a:spcBef>
+                <a:spcPts val="0"/>
+              </a:spcBef>
+              <a:spcAft>
+                <a:spcPts val="0"/>
+              </a:spcAft>
+              <a:buClrTx/>
+              <a:buSzTx/>
+              <a:buFontTx/>
+              <a:buNone/>
+              <a:tabLst/>
+              <a:defRPr/>
+            </a:pPr>
+            <a:r>
+              <a:rPr lang="en-US" sz="5400" b="1" dirty="0">
+                <a:solidFill>
+                  <a:schemeClr val="bg1"/>
+                </a:solidFill>
+                <a:latin typeface="Courier New" pitchFamily="49" charset="0"/>
+                <a:cs typeface="Courier New" pitchFamily="49" charset="0"/>
+              </a:rPr>
+              <a:t>Gather Data</a:t>
+            </a:r>
+            <a:endParaRPr lang="en-GB" sz="5400" b="1" dirty="0">
+              <a:solidFill>
+                <a:schemeClr val="bg1"/>
+              </a:solidFill>
+              <a:latin typeface="Courier New" pitchFamily="49" charset="0"/>
+              <a:cs typeface="Courier New" pitchFamily="49" charset="0"/>
+            </a:endParaRPr>
+          </a:p>
+        </p:txBody>
+      </p:sp>
+      <p:sp>
+        <p:nvSpPr>
+          <p:cNvPr id="6" name="Content Placeholder 2"/>
+          <p:cNvSpPr txBox="1">
+            <a:spLocks/>
+          </p:cNvSpPr>
+          <p:nvPr/>
+        </p:nvSpPr>
+        <p:spPr>
+          <a:xfrm>
+            <a:off x="762000" y="4419600"/>
+            <a:ext cx="7848600" cy="2438400"/>
+          </a:xfrm>
+          <a:prstGeom prst="rect">
+            <a:avLst/>
+          </a:prstGeom>
+        </p:spPr>
+        <p:txBody>
+          <a:bodyPr vert="horz" lIns="91440" tIns="45720" rIns="91440" bIns="45720" rtlCol="0">
+            <a:noAutofit/>
+          </a:bodyPr>
+          <a:lstStyle>
+            <a:lvl1pPr marL="342900" indent="-342900" algn="l" defTabSz="914400" rtl="0" eaLnBrk="1" latinLnBrk="0" hangingPunct="1">
+              <a:spcBef>
+                <a:spcPct val="20000"/>
+              </a:spcBef>
+              <a:buFont typeface="Arial" pitchFamily="34" charset="0"/>
+              <a:buChar char="•"/>
+              <a:defRPr sz="3200" kern="1200">
+                <a:solidFill>
+                  <a:schemeClr val="tx1"/>
+                </a:solidFill>
+                <a:latin typeface="+mn-lt"/>
+                <a:ea typeface="+mn-ea"/>
+                <a:cs typeface="+mn-cs"/>
+              </a:defRPr>
+            </a:lvl1pPr>
+            <a:lvl2pPr marL="742950" indent="-285750" algn="l" defTabSz="914400" rtl="0" eaLnBrk="1" latinLnBrk="0" hangingPunct="1">
+              <a:spcBef>
+                <a:spcPct val="20000"/>
+              </a:spcBef>
+              <a:buFont typeface="Arial" pitchFamily="34" charset="0"/>
+              <a:buChar char="–"/>
+              <a:defRPr sz="2800" kern="1200">
+                <a:solidFill>
+                  <a:schemeClr val="tx1"/>
+                </a:solidFill>
+                <a:latin typeface="+mn-lt"/>
+                <a:ea typeface="+mn-ea"/>
+                <a:cs typeface="+mn-cs"/>
+              </a:defRPr>
+            </a:lvl2pPr>
+            <a:lvl3pPr marL="1143000" indent="-228600" algn="l" defTabSz="914400" rtl="0" eaLnBrk="1" latinLnBrk="0" hangingPunct="1">
+              <a:spcBef>
+                <a:spcPct val="20000"/>
+              </a:spcBef>
+              <a:buFont typeface="Arial" pitchFamily="34" charset="0"/>
+              <a:buChar char="•"/>
+              <a:defRPr sz="2400" kern="1200">
+                <a:solidFill>
+                  <a:schemeClr val="tx1"/>
+                </a:solidFill>
+                <a:latin typeface="+mn-lt"/>
+                <a:ea typeface="+mn-ea"/>
+                <a:cs typeface="+mn-cs"/>
+              </a:defRPr>
+            </a:lvl3pPr>
+            <a:lvl4pPr marL="1600200" indent="-228600" algn="l" defTabSz="914400" rtl="0" eaLnBrk="1" latinLnBrk="0" hangingPunct="1">
+              <a:spcBef>
+                <a:spcPct val="20000"/>
+              </a:spcBef>
+              <a:buFont typeface="Arial" pitchFamily="34" charset="0"/>
+              <a:buChar char="–"/>
+              <a:defRPr sz="2000" kern="1200">
+                <a:solidFill>
+                  <a:schemeClr val="tx1"/>
+                </a:solidFill>
+                <a:latin typeface="+mn-lt"/>
+                <a:ea typeface="+mn-ea"/>
+                <a:cs typeface="+mn-cs"/>
+              </a:defRPr>
+            </a:lvl4pPr>
+            <a:lvl5pPr marL="2057400" indent="-228600" algn="l" defTabSz="914400" rtl="0" eaLnBrk="1" latinLnBrk="0" hangingPunct="1">
+              <a:spcBef>
+                <a:spcPct val="20000"/>
+              </a:spcBef>
+              <a:buFont typeface="Arial" pitchFamily="34" charset="0"/>
+              <a:buChar char="»"/>
+              <a:defRPr sz="2000" kern="1200">
+                <a:solidFill>
+                  <a:schemeClr val="tx1"/>
+                </a:solidFill>
+                <a:latin typeface="+mn-lt"/>
+                <a:ea typeface="+mn-ea"/>
+                <a:cs typeface="+mn-cs"/>
+              </a:defRPr>
+            </a:lvl5pPr>
+            <a:lvl6pPr marL="2514600" indent="-228600" algn="l" defTabSz="914400" rtl="0" eaLnBrk="1" latinLnBrk="0" hangingPunct="1">
+              <a:spcBef>
+                <a:spcPct val="20000"/>
+              </a:spcBef>
+              <a:buFont typeface="Arial" pitchFamily="34" charset="0"/>
+              <a:buChar char="•"/>
+              <a:defRPr sz="2000" kern="1200">
+                <a:solidFill>
+                  <a:schemeClr val="tx1"/>
+                </a:solidFill>
+                <a:latin typeface="+mn-lt"/>
+                <a:ea typeface="+mn-ea"/>
+                <a:cs typeface="+mn-cs"/>
+              </a:defRPr>
+            </a:lvl6pPr>
+            <a:lvl7pPr marL="2971800" indent="-228600" algn="l" defTabSz="914400" rtl="0" eaLnBrk="1" latinLnBrk="0" hangingPunct="1">
+              <a:spcBef>
+                <a:spcPct val="20000"/>
+              </a:spcBef>
+              <a:buFont typeface="Arial" pitchFamily="34" charset="0"/>
+              <a:buChar char="•"/>
+              <a:defRPr sz="2000" kern="1200">
+                <a:solidFill>
+                  <a:schemeClr val="tx1"/>
+                </a:solidFill>
+                <a:latin typeface="+mn-lt"/>
+                <a:ea typeface="+mn-ea"/>
+                <a:cs typeface="+mn-cs"/>
+              </a:defRPr>
+            </a:lvl7pPr>
+            <a:lvl8pPr marL="3429000" indent="-228600" algn="l" defTabSz="914400" rtl="0" eaLnBrk="1" latinLnBrk="0" hangingPunct="1">
+              <a:spcBef>
+                <a:spcPct val="20000"/>
+              </a:spcBef>
+              <a:buFont typeface="Arial" pitchFamily="34" charset="0"/>
+              <a:buChar char="•"/>
+              <a:defRPr sz="2000" kern="1200">
+                <a:solidFill>
+                  <a:schemeClr val="tx1"/>
+                </a:solidFill>
+                <a:latin typeface="+mn-lt"/>
+                <a:ea typeface="+mn-ea"/>
+                <a:cs typeface="+mn-cs"/>
+              </a:defRPr>
+            </a:lvl8pPr>
+            <a:lvl9pPr marL="3886200" indent="-228600" algn="l" defTabSz="914400" rtl="0" eaLnBrk="1" latinLnBrk="0" hangingPunct="1">
+              <a:spcBef>
+                <a:spcPct val="20000"/>
+              </a:spcBef>
+              <a:buFont typeface="Arial" pitchFamily="34" charset="0"/>
+              <a:buChar char="•"/>
+              <a:defRPr sz="2000" kern="1200">
+                <a:solidFill>
+                  <a:schemeClr val="tx1"/>
+                </a:solidFill>
+                <a:latin typeface="+mn-lt"/>
+                <a:ea typeface="+mn-ea"/>
+                <a:cs typeface="+mn-cs"/>
+              </a:defRPr>
+            </a:lvl9pPr>
+          </a:lstStyle>
+          <a:p>
+            <a:r>
+              <a:rPr lang="en-GB" dirty="0">
+                <a:solidFill>
+                  <a:schemeClr val="bg1"/>
+                </a:solidFill>
+                <a:latin typeface="Courier" pitchFamily="2" charset="0"/>
+              </a:rPr>
+              <a:t>Quiz your pipeline owner on:</a:t>
+            </a:r>
+          </a:p>
+          <a:p>
+            <a:pPr lvl="1"/>
+            <a:r>
+              <a:rPr lang="en-GB" dirty="0">
+                <a:solidFill>
+                  <a:schemeClr val="bg1"/>
+                </a:solidFill>
+                <a:latin typeface="Courier" pitchFamily="2" charset="0"/>
+              </a:rPr>
+              <a:t>Environments</a:t>
+            </a:r>
+          </a:p>
+          <a:p>
+            <a:pPr lvl="1"/>
+            <a:r>
+              <a:rPr lang="en-GB" dirty="0">
+                <a:solidFill>
+                  <a:schemeClr val="bg1"/>
+                </a:solidFill>
+                <a:latin typeface="Courier" pitchFamily="2" charset="0"/>
+              </a:rPr>
+              <a:t>Test strategy</a:t>
+            </a:r>
+          </a:p>
+          <a:p>
+            <a:pPr lvl="1"/>
+            <a:r>
+              <a:rPr lang="en-GB" dirty="0">
+                <a:solidFill>
+                  <a:schemeClr val="bg1"/>
+                </a:solidFill>
+                <a:latin typeface="Courier" pitchFamily="2" charset="0"/>
+              </a:rPr>
+              <a:t>Application context</a:t>
+            </a:r>
+          </a:p>
+          <a:p>
+            <a:pPr marL="457200" lvl="1" indent="0">
+              <a:buNone/>
+            </a:pPr>
+            <a:endParaRPr lang="en-GB" dirty="0">
+              <a:solidFill>
+                <a:schemeClr val="bg1"/>
+              </a:solidFill>
+              <a:latin typeface="Courier" pitchFamily="2" charset="0"/>
+            </a:endParaRPr>
+          </a:p>
+          <a:p>
+            <a:pPr marL="0" indent="0">
+              <a:buNone/>
+            </a:pPr>
+            <a:endParaRPr lang="en-GB" dirty="0">
+              <a:solidFill>
+                <a:schemeClr val="bg1"/>
+              </a:solidFill>
+              <a:latin typeface="Courier" pitchFamily="2" charset="0"/>
+            </a:endParaRPr>
+          </a:p>
+        </p:txBody>
+      </p:sp>
+    </p:spTree>
+    <p:extLst>
+      <p:ext uri="{BB962C8B-B14F-4D97-AF65-F5344CB8AC3E}">
+        <p14:creationId xmlns:p14="http://schemas.microsoft.com/office/powerpoint/2010/main" val="1448927100"/>
+      </p:ext>
+    </p:extLst>
+  </p:cSld>
+  <p:clrMapOvr>
+    <a:masterClrMapping/>
+  </p:clrMapOvr>
+  <mc:AlternateContent xmlns:mc="http://schemas.openxmlformats.org/markup-compatibility/2006" xmlns:p14="http://schemas.microsoft.com/office/powerpoint/2010/main">
+    <mc:Choice Requires="p14">
+      <p:transition p14:dur="100">
+        <p:cut/>
+      </p:transition>
+    </mc:Choice>
+    <mc:Fallback xmlns="">
+      <p:transition xmlns:p14="http://schemas.microsoft.com/office/powerpoint/2010/main">
+        <p:cut/>
+      </p:transition>
+    </mc:Fallback>
+  </mc:AlternateContent>
+  <p:timing>
+    <p:tnLst>
+      <p:par>
+        <p:cTn id="1" dur="indefinite" restart="never" nodeType="tmRoot">
+          <p:childTnLst>
+            <p:seq concurrent="1" nextAc="seek">
+              <p:cTn id="2" dur="indefinite" nodeType="mainSeq">
+                <p:childTnLst>
+                  <p:par>
+                    <p:cTn id="3" fill="hold">
+                      <p:stCondLst>
+                        <p:cond delay="indefinite"/>
+                      </p:stCondLst>
+                      <p:childTnLst>
+                        <p:par>
+                          <p:cTn id="4" fill="hold">
+                            <p:stCondLst>
+                              <p:cond delay="0"/>
+                            </p:stCondLst>
+                            <p:childTnLst>
+                              <p:par>
+                                <p:cTn id="5" presetID="1" presetClass="entr" presetSubtype="0" fill="hold" nodeType="clickEffect">
+                                  <p:stCondLst>
+                                    <p:cond delay="0"/>
+                                  </p:stCondLst>
+                                  <p:childTnLst>
+                                    <p:set>
+                                      <p:cBhvr>
+                                        <p:cTn id="6" dur="1" fill="hold">
+                                          <p:stCondLst>
+                                            <p:cond delay="0"/>
+                                          </p:stCondLst>
+                                        </p:cTn>
+                                        <p:tgtEl>
+                                          <p:spTgt spid="6">
+                                            <p:txEl>
+                                              <p:pRg st="0" end="0"/>
+                                            </p:txEl>
+                                          </p:spTgt>
+                                        </p:tgtEl>
+                                        <p:attrNameLst>
+                                          <p:attrName>style.visibility</p:attrName>
+                                        </p:attrNameLst>
+                                      </p:cBhvr>
+                                      <p:to>
+                                        <p:strVal val="visible"/>
+                                      </p:to>
+                                    </p:set>
+                                  </p:childTnLst>
+                                </p:cTn>
+                              </p:par>
+                            </p:childTnLst>
+                          </p:cTn>
+                        </p:par>
+                      </p:childTnLst>
+                    </p:cTn>
+                  </p:par>
+                  <p:par>
+                    <p:cTn id="7" fill="hold">
+                      <p:stCondLst>
+                        <p:cond delay="indefinite"/>
+                      </p:stCondLst>
+                      <p:childTnLst>
+                        <p:par>
+                          <p:cTn id="8" fill="hold">
+                            <p:stCondLst>
+                              <p:cond delay="0"/>
+                            </p:stCondLst>
+                            <p:childTnLst>
+                              <p:par>
+                                <p:cTn id="9" presetID="1" presetClass="entr" presetSubtype="0" fill="hold" nodeType="clickEffect">
+                                  <p:stCondLst>
+                                    <p:cond delay="0"/>
+                                  </p:stCondLst>
+                                  <p:childTnLst>
+                                    <p:set>
+                                      <p:cBhvr>
+                                        <p:cTn id="10" dur="1" fill="hold">
+                                          <p:stCondLst>
+                                            <p:cond delay="0"/>
+                                          </p:stCondLst>
+                                        </p:cTn>
+                                        <p:tgtEl>
+                                          <p:spTgt spid="6">
+                                            <p:txEl>
+                                              <p:pRg st="1" end="1"/>
+                                            </p:txEl>
+                                          </p:spTgt>
+                                        </p:tgtEl>
+                                        <p:attrNameLst>
+                                          <p:attrName>style.visibility</p:attrName>
+                                        </p:attrNameLst>
+                                      </p:cBhvr>
+                                      <p:to>
+                                        <p:strVal val="visible"/>
+                                      </p:to>
+                                    </p:set>
+                                  </p:childTnLst>
+                                </p:cTn>
+                              </p:par>
+                            </p:childTnLst>
+                          </p:cTn>
+                        </p:par>
+                      </p:childTnLst>
+                    </p:cTn>
+                  </p:par>
+                  <p:par>
+                    <p:cTn id="11" fill="hold">
+                      <p:stCondLst>
+                        <p:cond delay="indefinite"/>
+                      </p:stCondLst>
+                      <p:childTnLst>
+                        <p:par>
+                          <p:cTn id="12" fill="hold">
+                            <p:stCondLst>
+                              <p:cond delay="0"/>
+                            </p:stCondLst>
+                            <p:childTnLst>
+                              <p:par>
+                                <p:cTn id="13" presetID="1" presetClass="entr" presetSubtype="0" fill="hold" nodeType="clickEffect">
+                                  <p:stCondLst>
+                                    <p:cond delay="0"/>
+                                  </p:stCondLst>
+                                  <p:childTnLst>
+                                    <p:set>
+                                      <p:cBhvr>
+                                        <p:cTn id="14" dur="1" fill="hold">
+                                          <p:stCondLst>
+                                            <p:cond delay="0"/>
+                                          </p:stCondLst>
+                                        </p:cTn>
+                                        <p:tgtEl>
+                                          <p:spTgt spid="6">
+                                            <p:txEl>
+                                              <p:pRg st="2" end="2"/>
+                                            </p:txEl>
+                                          </p:spTgt>
+                                        </p:tgtEl>
+                                        <p:attrNameLst>
+                                          <p:attrName>style.visibility</p:attrName>
+                                        </p:attrNameLst>
+                                      </p:cBhvr>
+                                      <p:to>
+                                        <p:strVal val="visible"/>
+                                      </p:to>
+                                    </p:set>
+                                  </p:childTnLst>
+                                </p:cTn>
+                              </p:par>
+                            </p:childTnLst>
+                          </p:cTn>
+                        </p:par>
+                      </p:childTnLst>
+                    </p:cTn>
+                  </p:par>
+                  <p:par>
+                    <p:cTn id="15" fill="hold">
+                      <p:stCondLst>
+                        <p:cond delay="indefinite"/>
+                      </p:stCondLst>
+                      <p:childTnLst>
+                        <p:par>
+                          <p:cTn id="16" fill="hold">
+                            <p:stCondLst>
+                              <p:cond delay="0"/>
+                            </p:stCondLst>
+                            <p:childTnLst>
+                              <p:par>
+                                <p:cTn id="17" presetID="1" presetClass="entr" presetSubtype="0" fill="hold" nodeType="clickEffect">
+                                  <p:stCondLst>
+                                    <p:cond delay="0"/>
+                                  </p:stCondLst>
+                                  <p:childTnLst>
+                                    <p:set>
+                                      <p:cBhvr>
+                                        <p:cTn id="18" dur="1" fill="hold">
+                                          <p:stCondLst>
+                                            <p:cond delay="0"/>
+                                          </p:stCondLst>
+                                        </p:cTn>
+                                        <p:tgtEl>
+                                          <p:spTgt spid="6">
+                                            <p:txEl>
+                                              <p:pRg st="3" end="3"/>
+                                            </p:txEl>
+                                          </p:spTgt>
+                                        </p:tgtEl>
+                                        <p:attrNameLst>
+                                          <p:attrName>style.visibility</p:attrName>
+                                        </p:attrNameLst>
+                                      </p:cBhvr>
+                                      <p:to>
+                                        <p:strVal val="visible"/>
+                                      </p:to>
+                                    </p:set>
+                                  </p:childTnLst>
+                                </p:cTn>
+                              </p:par>
+                            </p:childTnLst>
+                          </p:cTn>
+                        </p:par>
+                      </p:childTnLst>
+                    </p:cTn>
+                  </p:par>
+                </p:childTnLst>
+              </p:cTn>
+              <p:prevCondLst>
+                <p:cond evt="onPrev" delay="0">
+                  <p:tgtEl>
+                    <p:sldTgt/>
+                  </p:tgtEl>
+                </p:cond>
+              </p:prevCondLst>
+              <p:nextCondLst>
+                <p:cond evt="onNext" delay="0">
+                  <p:tgtEl>
+                    <p:sldTgt/>
+                  </p:tgtEl>
+                </p:cond>
+              </p:nextCondLst>
+            </p:seq>
+          </p:childTnLst>
+        </p:cTn>
+      </p:par>
+    </p:tnLst>
+  </p:timing>
+</p:sld>
+</file>
+
+<file path=ppt/slides/slide8.xml><?xml version="1.0" encoding="utf-8"?>
+<p:sld xmlns:a="http://schemas.openxmlformats.org/drawingml/2006/main" xmlns:r="http://schemas.openxmlformats.org/officeDocument/2006/relationships" xmlns:p="http://schemas.openxmlformats.org/presentationml/2006/main">
+  <p:cSld>
+    <p:spTree>
+      <p:nvGrpSpPr>
+        <p:cNvPr id="1" name=""/>
+        <p:cNvGrpSpPr/>
+        <p:nvPr/>
+      </p:nvGrpSpPr>
+      <p:grpSpPr>
+        <a:xfrm>
+          <a:off x="0" y="0"/>
+          <a:ext cx="0" cy="0"/>
+          <a:chOff x="0" y="0"/>
+          <a:chExt cx="0" cy="0"/>
+        </a:xfrm>
+      </p:grpSpPr>
+      <p:sp>
+        <p:nvSpPr>
+          <p:cNvPr id="3" name="Content Placeholder 2"/>
+          <p:cNvSpPr>
+            <a:spLocks noGrp="1"/>
+          </p:cNvSpPr>
+          <p:nvPr>
+            <p:ph idx="1"/>
+          </p:nvPr>
+        </p:nvSpPr>
+        <p:spPr>
+          <a:xfrm>
+            <a:off x="990600" y="457200"/>
+            <a:ext cx="7391400" cy="914400"/>
+          </a:xfrm>
+        </p:spPr>
+        <p:txBody>
+          <a:bodyPr>
+            <a:noAutofit/>
+          </a:bodyPr>
+          <a:lstStyle/>
+          <a:p>
+            <a:pPr marL="0" marR="0" lvl="0" indent="0" defTabSz="914400" eaLnBrk="1" fontAlgn="auto" latinLnBrk="0" hangingPunct="1">
+              <a:lnSpc>
+                <a:spcPct val="100000"/>
+              </a:lnSpc>
+              <a:spcBef>
+                <a:spcPts val="0"/>
+              </a:spcBef>
+              <a:spcAft>
+                <a:spcPts val="0"/>
+              </a:spcAft>
+              <a:buClrTx/>
+              <a:buSzTx/>
+              <a:buFontTx/>
+              <a:buNone/>
+              <a:tabLst/>
+              <a:defRPr/>
+            </a:pPr>
+            <a:r>
+              <a:rPr lang="en-US" sz="5400" b="1" dirty="0">
+                <a:solidFill>
+                  <a:schemeClr val="bg1"/>
+                </a:solidFill>
+                <a:latin typeface="Courier New" pitchFamily="49" charset="0"/>
+                <a:cs typeface="Courier New" pitchFamily="49" charset="0"/>
+              </a:rPr>
+              <a:t>Design a Pipeline</a:t>
+            </a:r>
+            <a:endParaRPr lang="en-GB" sz="5400" b="1" dirty="0">
+              <a:solidFill>
+                <a:schemeClr val="bg1"/>
+              </a:solidFill>
+              <a:latin typeface="Courier New" pitchFamily="49" charset="0"/>
+              <a:cs typeface="Courier New" pitchFamily="49" charset="0"/>
+            </a:endParaRPr>
+          </a:p>
+        </p:txBody>
+      </p:sp>
+      <p:sp>
+        <p:nvSpPr>
+          <p:cNvPr id="6" name="Content Placeholder 2"/>
+          <p:cNvSpPr txBox="1">
+            <a:spLocks/>
+          </p:cNvSpPr>
+          <p:nvPr/>
+        </p:nvSpPr>
+        <p:spPr>
+          <a:xfrm>
+            <a:off x="3657600" y="1371600"/>
+            <a:ext cx="4953000" cy="5029200"/>
+          </a:xfrm>
+          <a:prstGeom prst="rect">
+            <a:avLst/>
+          </a:prstGeom>
+        </p:spPr>
+        <p:txBody>
+          <a:bodyPr vert="horz" lIns="91440" tIns="45720" rIns="91440" bIns="45720" rtlCol="0">
+            <a:noAutofit/>
+          </a:bodyPr>
+          <a:lstStyle>
+            <a:lvl1pPr marL="342900" indent="-342900" algn="l" defTabSz="914400" rtl="0" eaLnBrk="1" latinLnBrk="0" hangingPunct="1">
+              <a:spcBef>
+                <a:spcPct val="20000"/>
+              </a:spcBef>
+              <a:buFont typeface="Arial" pitchFamily="34" charset="0"/>
+              <a:buChar char="•"/>
+              <a:defRPr sz="3200" kern="1200">
+                <a:solidFill>
+                  <a:schemeClr val="tx1"/>
+                </a:solidFill>
+                <a:latin typeface="+mn-lt"/>
+                <a:ea typeface="+mn-ea"/>
+                <a:cs typeface="+mn-cs"/>
+              </a:defRPr>
+            </a:lvl1pPr>
+            <a:lvl2pPr marL="742950" indent="-285750" algn="l" defTabSz="914400" rtl="0" eaLnBrk="1" latinLnBrk="0" hangingPunct="1">
+              <a:spcBef>
+                <a:spcPct val="20000"/>
+              </a:spcBef>
+              <a:buFont typeface="Arial" pitchFamily="34" charset="0"/>
+              <a:buChar char="–"/>
+              <a:defRPr sz="2800" kern="1200">
+                <a:solidFill>
+                  <a:schemeClr val="tx1"/>
+                </a:solidFill>
+                <a:latin typeface="+mn-lt"/>
+                <a:ea typeface="+mn-ea"/>
+                <a:cs typeface="+mn-cs"/>
+              </a:defRPr>
+            </a:lvl2pPr>
+            <a:lvl3pPr marL="1143000" indent="-228600" algn="l" defTabSz="914400" rtl="0" eaLnBrk="1" latinLnBrk="0" hangingPunct="1">
+              <a:spcBef>
+                <a:spcPct val="20000"/>
+              </a:spcBef>
+              <a:buFont typeface="Arial" pitchFamily="34" charset="0"/>
+              <a:buChar char="•"/>
+              <a:defRPr sz="2400" kern="1200">
+                <a:solidFill>
+                  <a:schemeClr val="tx1"/>
+                </a:solidFill>
+                <a:latin typeface="+mn-lt"/>
+                <a:ea typeface="+mn-ea"/>
+                <a:cs typeface="+mn-cs"/>
+              </a:defRPr>
+            </a:lvl3pPr>
+            <a:lvl4pPr marL="1600200" indent="-228600" algn="l" defTabSz="914400" rtl="0" eaLnBrk="1" latinLnBrk="0" hangingPunct="1">
+              <a:spcBef>
+                <a:spcPct val="20000"/>
+              </a:spcBef>
+              <a:buFont typeface="Arial" pitchFamily="34" charset="0"/>
+              <a:buChar char="–"/>
+              <a:defRPr sz="2000" kern="1200">
+                <a:solidFill>
+                  <a:schemeClr val="tx1"/>
+                </a:solidFill>
+                <a:latin typeface="+mn-lt"/>
+                <a:ea typeface="+mn-ea"/>
+                <a:cs typeface="+mn-cs"/>
+              </a:defRPr>
+            </a:lvl4pPr>
+            <a:lvl5pPr marL="2057400" indent="-228600" algn="l" defTabSz="914400" rtl="0" eaLnBrk="1" latinLnBrk="0" hangingPunct="1">
+              <a:spcBef>
+                <a:spcPct val="20000"/>
+              </a:spcBef>
+              <a:buFont typeface="Arial" pitchFamily="34" charset="0"/>
+              <a:buChar char="»"/>
+              <a:defRPr sz="2000" kern="1200">
+                <a:solidFill>
+                  <a:schemeClr val="tx1"/>
+                </a:solidFill>
+                <a:latin typeface="+mn-lt"/>
+                <a:ea typeface="+mn-ea"/>
+                <a:cs typeface="+mn-cs"/>
+              </a:defRPr>
+            </a:lvl5pPr>
+            <a:lvl6pPr marL="2514600" indent="-228600" algn="l" defTabSz="914400" rtl="0" eaLnBrk="1" latinLnBrk="0" hangingPunct="1">
+              <a:spcBef>
+                <a:spcPct val="20000"/>
+              </a:spcBef>
+              <a:buFont typeface="Arial" pitchFamily="34" charset="0"/>
+              <a:buChar char="•"/>
+              <a:defRPr sz="2000" kern="1200">
+                <a:solidFill>
+                  <a:schemeClr val="tx1"/>
+                </a:solidFill>
+                <a:latin typeface="+mn-lt"/>
+                <a:ea typeface="+mn-ea"/>
+                <a:cs typeface="+mn-cs"/>
+              </a:defRPr>
+            </a:lvl6pPr>
+            <a:lvl7pPr marL="2971800" indent="-228600" algn="l" defTabSz="914400" rtl="0" eaLnBrk="1" latinLnBrk="0" hangingPunct="1">
+              <a:spcBef>
+                <a:spcPct val="20000"/>
+              </a:spcBef>
+              <a:buFont typeface="Arial" pitchFamily="34" charset="0"/>
+              <a:buChar char="•"/>
+              <a:defRPr sz="2000" kern="1200">
+                <a:solidFill>
+                  <a:schemeClr val="tx1"/>
+                </a:solidFill>
+                <a:latin typeface="+mn-lt"/>
+                <a:ea typeface="+mn-ea"/>
+                <a:cs typeface="+mn-cs"/>
+              </a:defRPr>
+            </a:lvl7pPr>
+            <a:lvl8pPr marL="3429000" indent="-228600" algn="l" defTabSz="914400" rtl="0" eaLnBrk="1" latinLnBrk="0" hangingPunct="1">
+              <a:spcBef>
+                <a:spcPct val="20000"/>
+              </a:spcBef>
+              <a:buFont typeface="Arial" pitchFamily="34" charset="0"/>
+              <a:buChar char="•"/>
+              <a:defRPr sz="2000" kern="1200">
+                <a:solidFill>
+                  <a:schemeClr val="tx1"/>
+                </a:solidFill>
+                <a:latin typeface="+mn-lt"/>
+                <a:ea typeface="+mn-ea"/>
+                <a:cs typeface="+mn-cs"/>
+              </a:defRPr>
+            </a:lvl8pPr>
+            <a:lvl9pPr marL="3886200" indent="-228600" algn="l" defTabSz="914400" rtl="0" eaLnBrk="1" latinLnBrk="0" hangingPunct="1">
+              <a:spcBef>
+                <a:spcPct val="20000"/>
+              </a:spcBef>
+              <a:buFont typeface="Arial" pitchFamily="34" charset="0"/>
+              <a:buChar char="•"/>
+              <a:defRPr sz="2000" kern="1200">
+                <a:solidFill>
+                  <a:schemeClr val="tx1"/>
+                </a:solidFill>
+                <a:latin typeface="+mn-lt"/>
+                <a:ea typeface="+mn-ea"/>
+                <a:cs typeface="+mn-cs"/>
+              </a:defRPr>
+            </a:lvl9pPr>
+          </a:lstStyle>
+          <a:p>
+            <a:r>
+              <a:rPr lang="en-GB" dirty="0">
+                <a:solidFill>
+                  <a:schemeClr val="bg1"/>
+                </a:solidFill>
+                <a:latin typeface="Courier" pitchFamily="2" charset="0"/>
+              </a:rPr>
+              <a:t>Consider:</a:t>
+            </a:r>
+          </a:p>
+          <a:p>
+            <a:pPr lvl="1"/>
+            <a:r>
+              <a:rPr lang="en-GB" dirty="0">
+                <a:solidFill>
+                  <a:schemeClr val="bg1"/>
+                </a:solidFill>
+                <a:latin typeface="Courier" pitchFamily="2" charset="0"/>
+              </a:rPr>
+              <a:t>What makes money</a:t>
+            </a:r>
+          </a:p>
+          <a:p>
+            <a:pPr lvl="1"/>
+            <a:r>
+              <a:rPr lang="en-GB" dirty="0">
+                <a:solidFill>
+                  <a:schemeClr val="bg1"/>
+                </a:solidFill>
+                <a:latin typeface="Courier" pitchFamily="2" charset="0"/>
+              </a:rPr>
+              <a:t>Where risk lies</a:t>
+            </a:r>
+          </a:p>
+          <a:p>
+            <a:pPr lvl="1"/>
+            <a:r>
+              <a:rPr lang="en-GB" dirty="0">
+                <a:solidFill>
+                  <a:schemeClr val="bg1"/>
+                </a:solidFill>
+                <a:latin typeface="Courier" pitchFamily="2" charset="0"/>
+              </a:rPr>
+              <a:t>Most important types of testing</a:t>
+            </a:r>
+          </a:p>
+          <a:p>
+            <a:pPr lvl="1"/>
+            <a:r>
+              <a:rPr lang="en-GB" dirty="0">
+                <a:solidFill>
+                  <a:schemeClr val="bg1"/>
+                </a:solidFill>
+                <a:latin typeface="Courier" pitchFamily="2" charset="0"/>
+              </a:rPr>
+              <a:t>Path to live</a:t>
+            </a:r>
+          </a:p>
+          <a:p>
+            <a:pPr lvl="1"/>
+            <a:r>
+              <a:rPr lang="en-GB" dirty="0">
+                <a:solidFill>
+                  <a:schemeClr val="bg1"/>
+                </a:solidFill>
+                <a:latin typeface="Courier" pitchFamily="2" charset="0"/>
+              </a:rPr>
+              <a:t>CALMS Handout principles</a:t>
+            </a:r>
+          </a:p>
+          <a:p>
+            <a:r>
+              <a:rPr lang="en-GB" dirty="0">
+                <a:solidFill>
+                  <a:schemeClr val="bg1"/>
+                </a:solidFill>
+                <a:latin typeface="Courier" pitchFamily="2" charset="0"/>
+              </a:rPr>
+              <a:t>Use the pipeline key to express</a:t>
+            </a:r>
+          </a:p>
+          <a:p>
+            <a:pPr marL="0" indent="0">
+              <a:buNone/>
+            </a:pPr>
+            <a:endParaRPr lang="en-GB" dirty="0">
+              <a:solidFill>
+                <a:schemeClr val="bg1"/>
+              </a:solidFill>
+              <a:latin typeface="Courier" pitchFamily="2" charset="0"/>
+            </a:endParaRPr>
+          </a:p>
+        </p:txBody>
+      </p:sp>
+    </p:spTree>
+    <p:extLst>
+      <p:ext uri="{BB962C8B-B14F-4D97-AF65-F5344CB8AC3E}">
+        <p14:creationId xmlns:p14="http://schemas.microsoft.com/office/powerpoint/2010/main" val="2372179454"/>
+      </p:ext>
+    </p:extLst>
+  </p:cSld>
+  <p:clrMapOvr>
+    <a:masterClrMapping/>
+  </p:clrMapOvr>
+  <mc:AlternateContent xmlns:mc="http://schemas.openxmlformats.org/markup-compatibility/2006" xmlns:p14="http://schemas.microsoft.com/office/powerpoint/2010/main">
+    <mc:Choice Requires="p14">
+      <p:transition p14:dur="100">
+        <p:cut/>
+      </p:transition>
+    </mc:Choice>
+    <mc:Fallback xmlns="">
+      <p:transition xmlns:p14="http://schemas.microsoft.com/office/powerpoint/2010/main">
+        <p:cut/>
+      </p:transition>
+    </mc:Fallback>
+  </mc:AlternateContent>
+</p:sld>
+</file>
+
+<file path=ppt/slides/slide9.xml><?xml version="1.0" encoding="utf-8"?>
+<p:sld xmlns:a="http://schemas.openxmlformats.org/drawingml/2006/main" xmlns:r="http://schemas.openxmlformats.org/officeDocument/2006/relationships" xmlns:p="http://schemas.openxmlformats.org/presentationml/2006/main">
+  <p:cSld>
+    <p:spTree>
+      <p:nvGrpSpPr>
+        <p:cNvPr id="1" name=""/>
+        <p:cNvGrpSpPr/>
+        <p:nvPr/>
+      </p:nvGrpSpPr>
+      <p:grpSpPr>
+        <a:xfrm>
+          <a:off x="0" y="0"/>
+          <a:ext cx="0" cy="0"/>
+          <a:chOff x="0" y="0"/>
+          <a:chExt cx="0" cy="0"/>
+        </a:xfrm>
+      </p:grpSpPr>
+      <p:sp>
+        <p:nvSpPr>
+          <p:cNvPr id="3" name="Content Placeholder 2"/>
+          <p:cNvSpPr>
+            <a:spLocks noGrp="1"/>
+          </p:cNvSpPr>
+          <p:nvPr>
+            <p:ph idx="1"/>
+          </p:nvPr>
+        </p:nvSpPr>
+        <p:spPr>
+          <a:xfrm>
+            <a:off x="1638299" y="584200"/>
+            <a:ext cx="5867400" cy="990600"/>
+          </a:xfrm>
+        </p:spPr>
+        <p:txBody>
+          <a:bodyPr>
+            <a:noAutofit/>
+          </a:bodyPr>
+          <a:lstStyle/>
+          <a:p>
+            <a:pPr marL="0" indent="0" algn="ctr">
               <a:spcBef>
                 <a:spcPts val="0"/>
               </a:spcBef>
@@ -5640,7 +7536,7 @@
                 <a:ea typeface="Courier New" charset="0"/>
                 <a:cs typeface="Courier New" charset="0"/>
               </a:rPr>
-              <a:t>Questions before we start?</a:t>
+              <a:t>Reflections on pipeline design</a:t>
             </a:r>
           </a:p>
         </p:txBody>
